--- a/5ANIM – Animations numériques.pptx
+++ b/5ANIM – Animations numériques.pptx
@@ -127,6 +127,9 @@
           </p14:sldIdLst>
         </p14:section>
       </p14:sectionLst>
+    </p:ext>
+    <p:ext uri="{EFAFB233-063F-42B5-8137-9DF3F51BA10A}">
+      <p15:sldGuideLst xmlns:p15="http://schemas.microsoft.com/office/powerpoint/2012/main"/>
     </p:ext>
   </p:extLst>
 </p:presentation>
@@ -5205,52 +5208,190 @@
             <p:ph idx="1"/>
           </p:nvPr>
         </p:nvSpPr>
-        <p:spPr/>
+        <p:spPr>
+          <a:xfrm>
+            <a:off x="1371600" y="2286000"/>
+            <a:ext cx="9601200" cy="895739"/>
+          </a:xfrm>
+        </p:spPr>
         <p:txBody>
           <a:bodyPr/>
           <a:lstStyle/>
           <a:p>
+            <a:pPr>
+              <a:buFont typeface="Wingdings" panose="05000000000000000000" pitchFamily="2" charset="2"/>
+              <a:buChar char="§"/>
+            </a:pPr>
             <a:r>
               <a:rPr lang="fr-FR" dirty="0"/>
               <a:t>L’interpolation est propre</a:t>
             </a:r>
           </a:p>
           <a:p>
+            <a:pPr>
+              <a:buFont typeface="Wingdings" panose="05000000000000000000" pitchFamily="2" charset="2"/>
+              <a:buChar char="§"/>
+            </a:pPr>
             <a:r>
               <a:rPr lang="fr-FR" dirty="0"/>
               <a:t>Les images générées reflètent l’image de base</a:t>
             </a:r>
           </a:p>
-          <a:p>
-            <a:endParaRPr lang="fr-FR" dirty="0"/>
-          </a:p>
+        </p:txBody>
+      </p:sp>
+      <p:sp>
+        <p:nvSpPr>
+          <p:cNvPr id="5" name="ZoneTexte 4">
+            <a:extLst>
+              <a:ext uri="{FF2B5EF4-FFF2-40B4-BE49-F238E27FC236}">
+                <a16:creationId xmlns:a16="http://schemas.microsoft.com/office/drawing/2014/main" id="{30B38CBA-EB38-0892-7576-8A01B862808E}"/>
+              </a:ext>
+            </a:extLst>
+          </p:cNvPr>
+          <p:cNvSpPr txBox="1"/>
+          <p:nvPr/>
+        </p:nvSpPr>
+        <p:spPr>
+          <a:xfrm>
+            <a:off x="1371600" y="4686301"/>
+            <a:ext cx="9685176" cy="1420902"/>
+          </a:xfrm>
+          <a:prstGeom prst="rect">
+            <a:avLst/>
+          </a:prstGeom>
+          <a:noFill/>
+        </p:spPr>
+        <p:txBody>
+          <a:bodyPr wrap="square">
+            <a:spAutoFit/>
+          </a:bodyPr>
+          <a:lstStyle/>
+          <a:p>
+            <a:pPr marL="342900" indent="-342900">
+              <a:lnSpc>
+                <a:spcPct val="150000"/>
+              </a:lnSpc>
+              <a:buFont typeface="Wingdings" panose="05000000000000000000" pitchFamily="2" charset="2"/>
+              <a:buChar char="§"/>
+            </a:pPr>
+            <a:r>
+              <a:rPr lang="fr-FR" sz="2000" dirty="0"/>
+              <a:t>Possibilité d’ajouter du bruit pour tester des variations</a:t>
+            </a:r>
+          </a:p>
+          <a:p>
+            <a:pPr marL="342900" indent="-342900">
+              <a:lnSpc>
+                <a:spcPct val="150000"/>
+              </a:lnSpc>
+              <a:buFont typeface="Wingdings" panose="05000000000000000000" pitchFamily="2" charset="2"/>
+              <a:buChar char="§"/>
+            </a:pPr>
+            <a:r>
+              <a:rPr lang="fr-FR" sz="2000" dirty="0"/>
+              <a:t>Application en post-</a:t>
+            </a:r>
+            <a:r>
+              <a:rPr lang="fr-FR" sz="2000" dirty="0" err="1"/>
+              <a:t>generation</a:t>
+            </a:r>
+            <a:r>
+              <a:rPr lang="fr-FR" sz="2000" dirty="0"/>
+              <a:t> d’un style artistique avec </a:t>
+            </a:r>
+            <a:r>
+              <a:rPr lang="fr-FR" sz="2000" dirty="0" err="1"/>
+              <a:t>styleGAN</a:t>
+            </a:r>
+            <a:endParaRPr lang="fr-FR" sz="2000" dirty="0"/>
+          </a:p>
+          <a:p>
+            <a:pPr marL="342900" indent="-342900">
+              <a:lnSpc>
+                <a:spcPct val="150000"/>
+              </a:lnSpc>
+              <a:buFont typeface="Wingdings" panose="05000000000000000000" pitchFamily="2" charset="2"/>
+              <a:buChar char="§"/>
+            </a:pPr>
+            <a:r>
+              <a:rPr lang="fr-FR" sz="2000" dirty="0"/>
+              <a:t>Ne marche que sur des images </a:t>
+            </a:r>
+            <a:r>
+              <a:rPr lang="fr-FR" sz="2000"/>
+              <a:t>de façades</a:t>
+            </a:r>
+            <a:endParaRPr lang="fr-FR" sz="2000" dirty="0"/>
+          </a:p>
+        </p:txBody>
+      </p:sp>
+      <p:sp>
+        <p:nvSpPr>
+          <p:cNvPr id="6" name="ZoneTexte 5">
+            <a:extLst>
+              <a:ext uri="{FF2B5EF4-FFF2-40B4-BE49-F238E27FC236}">
+                <a16:creationId xmlns:a16="http://schemas.microsoft.com/office/drawing/2014/main" id="{2ED797AE-CCB3-634B-C168-06E5E1084B82}"/>
+              </a:ext>
+            </a:extLst>
+          </p:cNvPr>
+          <p:cNvSpPr txBox="1"/>
+          <p:nvPr/>
+        </p:nvSpPr>
+        <p:spPr>
+          <a:xfrm>
+            <a:off x="1371600" y="1802368"/>
+            <a:ext cx="3741576" cy="369332"/>
+          </a:xfrm>
+          <a:prstGeom prst="rect">
+            <a:avLst/>
+          </a:prstGeom>
+          <a:noFill/>
+        </p:spPr>
+        <p:txBody>
+          <a:bodyPr wrap="square" rtlCol="0">
+            <a:spAutoFit/>
+          </a:bodyPr>
+          <a:lstStyle/>
           <a:p>
             <a:r>
               <a:rPr lang="fr-FR" dirty="0"/>
-              <a:t>Possibilité d’ajouter du bruit pour tester des variations</a:t>
-            </a:r>
-          </a:p>
+              <a:t>Bons points :</a:t>
+            </a:r>
+          </a:p>
+        </p:txBody>
+      </p:sp>
+      <p:sp>
+        <p:nvSpPr>
+          <p:cNvPr id="7" name="ZoneTexte 6">
+            <a:extLst>
+              <a:ext uri="{FF2B5EF4-FFF2-40B4-BE49-F238E27FC236}">
+                <a16:creationId xmlns:a16="http://schemas.microsoft.com/office/drawing/2014/main" id="{C94C5713-1EC9-2633-09C3-BF3FF0E8BA69}"/>
+              </a:ext>
+            </a:extLst>
+          </p:cNvPr>
+          <p:cNvSpPr txBox="1"/>
+          <p:nvPr/>
+        </p:nvSpPr>
+        <p:spPr>
+          <a:xfrm>
+            <a:off x="1371600" y="4316969"/>
+            <a:ext cx="3741576" cy="369332"/>
+          </a:xfrm>
+          <a:prstGeom prst="rect">
+            <a:avLst/>
+          </a:prstGeom>
+          <a:noFill/>
+        </p:spPr>
+        <p:txBody>
+          <a:bodyPr wrap="square" rtlCol="0">
+            <a:spAutoFit/>
+          </a:bodyPr>
+          <a:lstStyle/>
           <a:p>
             <a:r>
               <a:rPr lang="fr-FR" dirty="0"/>
-              <a:t>Application en post-</a:t>
-            </a:r>
-            <a:r>
-              <a:rPr lang="fr-FR" dirty="0" err="1"/>
-              <a:t>generation</a:t>
-            </a:r>
-            <a:r>
-              <a:rPr lang="fr-FR" dirty="0"/>
-              <a:t> d’un style artistique avec </a:t>
-            </a:r>
-            <a:r>
-              <a:rPr lang="fr-FR" dirty="0" err="1"/>
-              <a:t>styleGAN</a:t>
-            </a:r>
-            <a:endParaRPr lang="fr-FR" dirty="0"/>
-          </a:p>
-          <a:p>
-            <a:endParaRPr lang="fr-FR" dirty="0"/>
+              <a:t>Mauvais points / améliorations :</a:t>
+            </a:r>
           </a:p>
         </p:txBody>
       </p:sp>

--- a/5ANIM – Animations numériques.pptx
+++ b/5ANIM – Animations numériques.pptx
@@ -4,6 +4,9 @@
   <p:sldMasterIdLst>
     <p:sldMasterId id="2147483660" r:id="rId1"/>
   </p:sldMasterIdLst>
+  <p:notesMasterIdLst>
+    <p:notesMasterId r:id="rId10"/>
+  </p:notesMasterIdLst>
   <p:sldIdLst>
     <p:sldId id="256" r:id="rId2"/>
     <p:sldId id="257" r:id="rId3"/>
@@ -135,6 +138,355 @@
 </p:presentation>
 </file>
 
+<file path=ppt/notesMasters/notesMaster1.xml><?xml version="1.0" encoding="utf-8"?>
+<p:notesMaster xmlns:a="http://schemas.openxmlformats.org/drawingml/2006/main" xmlns:r="http://schemas.openxmlformats.org/officeDocument/2006/relationships" xmlns:p="http://schemas.openxmlformats.org/presentationml/2006/main">
+  <p:cSld>
+    <p:bg>
+      <p:bgRef idx="1001">
+        <a:schemeClr val="bg1"/>
+      </p:bgRef>
+    </p:bg>
+    <p:spTree>
+      <p:nvGrpSpPr>
+        <p:cNvPr id="1" name=""/>
+        <p:cNvGrpSpPr/>
+        <p:nvPr/>
+      </p:nvGrpSpPr>
+      <p:grpSpPr>
+        <a:xfrm>
+          <a:off x="0" y="0"/>
+          <a:ext cx="0" cy="0"/>
+          <a:chOff x="0" y="0"/>
+          <a:chExt cx="0" cy="0"/>
+        </a:xfrm>
+      </p:grpSpPr>
+      <p:sp>
+        <p:nvSpPr>
+          <p:cNvPr id="2" name="Espace réservé de l'en-tête 1"/>
+          <p:cNvSpPr>
+            <a:spLocks noGrp="1"/>
+          </p:cNvSpPr>
+          <p:nvPr>
+            <p:ph type="hdr" sz="quarter"/>
+          </p:nvPr>
+        </p:nvSpPr>
+        <p:spPr>
+          <a:xfrm>
+            <a:off x="0" y="0"/>
+            <a:ext cx="2971800" cy="458788"/>
+          </a:xfrm>
+          <a:prstGeom prst="rect">
+            <a:avLst/>
+          </a:prstGeom>
+        </p:spPr>
+        <p:txBody>
+          <a:bodyPr vert="horz" lIns="91440" tIns="45720" rIns="91440" bIns="45720" rtlCol="0"/>
+          <a:lstStyle>
+            <a:lvl1pPr algn="l">
+              <a:defRPr sz="1200"/>
+            </a:lvl1pPr>
+          </a:lstStyle>
+          <a:p>
+            <a:endParaRPr lang="fr-FR"/>
+          </a:p>
+        </p:txBody>
+      </p:sp>
+      <p:sp>
+        <p:nvSpPr>
+          <p:cNvPr id="3" name="Espace réservé de la date 2"/>
+          <p:cNvSpPr>
+            <a:spLocks noGrp="1"/>
+          </p:cNvSpPr>
+          <p:nvPr>
+            <p:ph type="dt" idx="1"/>
+          </p:nvPr>
+        </p:nvSpPr>
+        <p:spPr>
+          <a:xfrm>
+            <a:off x="3884613" y="0"/>
+            <a:ext cx="2971800" cy="458788"/>
+          </a:xfrm>
+          <a:prstGeom prst="rect">
+            <a:avLst/>
+          </a:prstGeom>
+        </p:spPr>
+        <p:txBody>
+          <a:bodyPr vert="horz" lIns="91440" tIns="45720" rIns="91440" bIns="45720" rtlCol="0"/>
+          <a:lstStyle>
+            <a:lvl1pPr algn="r">
+              <a:defRPr sz="1200"/>
+            </a:lvl1pPr>
+          </a:lstStyle>
+          <a:p>
+            <a:fld id="{C60C5F3D-7194-4EBB-9624-42D7059062EA}" type="datetimeFigureOut">
+              <a:rPr lang="fr-FR" smtClean="0"/>
+              <a:t>08/01/2025</a:t>
+            </a:fld>
+            <a:endParaRPr lang="fr-FR"/>
+          </a:p>
+        </p:txBody>
+      </p:sp>
+      <p:sp>
+        <p:nvSpPr>
+          <p:cNvPr id="4" name="Espace réservé de l'image des diapositives 3"/>
+          <p:cNvSpPr>
+            <a:spLocks noGrp="1" noRot="1" noChangeAspect="1"/>
+          </p:cNvSpPr>
+          <p:nvPr>
+            <p:ph type="sldImg" idx="2"/>
+          </p:nvPr>
+        </p:nvSpPr>
+        <p:spPr>
+          <a:xfrm>
+            <a:off x="685800" y="1143000"/>
+            <a:ext cx="5486400" cy="3086100"/>
+          </a:xfrm>
+          <a:prstGeom prst="rect">
+            <a:avLst/>
+          </a:prstGeom>
+          <a:noFill/>
+          <a:ln w="12700">
+            <a:solidFill>
+              <a:prstClr val="black"/>
+            </a:solidFill>
+          </a:ln>
+        </p:spPr>
+        <p:txBody>
+          <a:bodyPr vert="horz" lIns="91440" tIns="45720" rIns="91440" bIns="45720" rtlCol="0" anchor="ctr"/>
+          <a:lstStyle/>
+          <a:p>
+            <a:endParaRPr lang="fr-FR"/>
+          </a:p>
+        </p:txBody>
+      </p:sp>
+      <p:sp>
+        <p:nvSpPr>
+          <p:cNvPr id="5" name="Espace réservé des notes 4"/>
+          <p:cNvSpPr>
+            <a:spLocks noGrp="1"/>
+          </p:cNvSpPr>
+          <p:nvPr>
+            <p:ph type="body" sz="quarter" idx="3"/>
+          </p:nvPr>
+        </p:nvSpPr>
+        <p:spPr>
+          <a:xfrm>
+            <a:off x="685800" y="4400550"/>
+            <a:ext cx="5486400" cy="3600450"/>
+          </a:xfrm>
+          <a:prstGeom prst="rect">
+            <a:avLst/>
+          </a:prstGeom>
+        </p:spPr>
+        <p:txBody>
+          <a:bodyPr vert="horz" lIns="91440" tIns="45720" rIns="91440" bIns="45720" rtlCol="0"/>
+          <a:lstStyle/>
+          <a:p>
+            <a:pPr lvl="0"/>
+            <a:r>
+              <a:rPr lang="fr-FR"/>
+              <a:t>Cliquez pour modifier les styles du texte du masque</a:t>
+            </a:r>
+          </a:p>
+          <a:p>
+            <a:pPr lvl="1"/>
+            <a:r>
+              <a:rPr lang="fr-FR"/>
+              <a:t>Deuxième niveau</a:t>
+            </a:r>
+          </a:p>
+          <a:p>
+            <a:pPr lvl="2"/>
+            <a:r>
+              <a:rPr lang="fr-FR"/>
+              <a:t>Troisième niveau</a:t>
+            </a:r>
+          </a:p>
+          <a:p>
+            <a:pPr lvl="3"/>
+            <a:r>
+              <a:rPr lang="fr-FR"/>
+              <a:t>Quatrième niveau</a:t>
+            </a:r>
+          </a:p>
+          <a:p>
+            <a:pPr lvl="4"/>
+            <a:r>
+              <a:rPr lang="fr-FR"/>
+              <a:t>Cinquième niveau</a:t>
+            </a:r>
+          </a:p>
+        </p:txBody>
+      </p:sp>
+      <p:sp>
+        <p:nvSpPr>
+          <p:cNvPr id="6" name="Espace réservé du pied de page 5"/>
+          <p:cNvSpPr>
+            <a:spLocks noGrp="1"/>
+          </p:cNvSpPr>
+          <p:nvPr>
+            <p:ph type="ftr" sz="quarter" idx="4"/>
+          </p:nvPr>
+        </p:nvSpPr>
+        <p:spPr>
+          <a:xfrm>
+            <a:off x="0" y="8685213"/>
+            <a:ext cx="2971800" cy="458787"/>
+          </a:xfrm>
+          <a:prstGeom prst="rect">
+            <a:avLst/>
+          </a:prstGeom>
+        </p:spPr>
+        <p:txBody>
+          <a:bodyPr vert="horz" lIns="91440" tIns="45720" rIns="91440" bIns="45720" rtlCol="0" anchor="b"/>
+          <a:lstStyle>
+            <a:lvl1pPr algn="l">
+              <a:defRPr sz="1200"/>
+            </a:lvl1pPr>
+          </a:lstStyle>
+          <a:p>
+            <a:endParaRPr lang="fr-FR"/>
+          </a:p>
+        </p:txBody>
+      </p:sp>
+      <p:sp>
+        <p:nvSpPr>
+          <p:cNvPr id="7" name="Espace réservé du numéro de diapositive 6"/>
+          <p:cNvSpPr>
+            <a:spLocks noGrp="1"/>
+          </p:cNvSpPr>
+          <p:nvPr>
+            <p:ph type="sldNum" sz="quarter" idx="5"/>
+          </p:nvPr>
+        </p:nvSpPr>
+        <p:spPr>
+          <a:xfrm>
+            <a:off x="3884613" y="8685213"/>
+            <a:ext cx="2971800" cy="458787"/>
+          </a:xfrm>
+          <a:prstGeom prst="rect">
+            <a:avLst/>
+          </a:prstGeom>
+        </p:spPr>
+        <p:txBody>
+          <a:bodyPr vert="horz" lIns="91440" tIns="45720" rIns="91440" bIns="45720" rtlCol="0" anchor="b"/>
+          <a:lstStyle>
+            <a:lvl1pPr algn="r">
+              <a:defRPr sz="1200"/>
+            </a:lvl1pPr>
+          </a:lstStyle>
+          <a:p>
+            <a:fld id="{FCF772EC-4181-4948-9C35-D9279BF1FAC4}" type="slidenum">
+              <a:rPr lang="fr-FR" smtClean="0"/>
+              <a:t>‹N°›</a:t>
+            </a:fld>
+            <a:endParaRPr lang="fr-FR"/>
+          </a:p>
+        </p:txBody>
+      </p:sp>
+    </p:spTree>
+    <p:extLst>
+      <p:ext uri="{BB962C8B-B14F-4D97-AF65-F5344CB8AC3E}">
+        <p14:creationId xmlns:p14="http://schemas.microsoft.com/office/powerpoint/2010/main" val="3681230591"/>
+      </p:ext>
+    </p:extLst>
+  </p:cSld>
+  <p:clrMap bg1="lt1" tx1="dk1" bg2="lt2" tx2="dk2" accent1="accent1" accent2="accent2" accent3="accent3" accent4="accent4" accent5="accent5" accent6="accent6" hlink="hlink" folHlink="folHlink"/>
+  <p:notesStyle>
+    <a:lvl1pPr marL="0" algn="l" defTabSz="914400" rtl="0" eaLnBrk="1" latinLnBrk="0" hangingPunct="1">
+      <a:defRPr sz="1200" kern="1200">
+        <a:solidFill>
+          <a:schemeClr val="tx1"/>
+        </a:solidFill>
+        <a:latin typeface="+mn-lt"/>
+        <a:ea typeface="+mn-ea"/>
+        <a:cs typeface="+mn-cs"/>
+      </a:defRPr>
+    </a:lvl1pPr>
+    <a:lvl2pPr marL="457200" algn="l" defTabSz="914400" rtl="0" eaLnBrk="1" latinLnBrk="0" hangingPunct="1">
+      <a:defRPr sz="1200" kern="1200">
+        <a:solidFill>
+          <a:schemeClr val="tx1"/>
+        </a:solidFill>
+        <a:latin typeface="+mn-lt"/>
+        <a:ea typeface="+mn-ea"/>
+        <a:cs typeface="+mn-cs"/>
+      </a:defRPr>
+    </a:lvl2pPr>
+    <a:lvl3pPr marL="914400" algn="l" defTabSz="914400" rtl="0" eaLnBrk="1" latinLnBrk="0" hangingPunct="1">
+      <a:defRPr sz="1200" kern="1200">
+        <a:solidFill>
+          <a:schemeClr val="tx1"/>
+        </a:solidFill>
+        <a:latin typeface="+mn-lt"/>
+        <a:ea typeface="+mn-ea"/>
+        <a:cs typeface="+mn-cs"/>
+      </a:defRPr>
+    </a:lvl3pPr>
+    <a:lvl4pPr marL="1371600" algn="l" defTabSz="914400" rtl="0" eaLnBrk="1" latinLnBrk="0" hangingPunct="1">
+      <a:defRPr sz="1200" kern="1200">
+        <a:solidFill>
+          <a:schemeClr val="tx1"/>
+        </a:solidFill>
+        <a:latin typeface="+mn-lt"/>
+        <a:ea typeface="+mn-ea"/>
+        <a:cs typeface="+mn-cs"/>
+      </a:defRPr>
+    </a:lvl4pPr>
+    <a:lvl5pPr marL="1828800" algn="l" defTabSz="914400" rtl="0" eaLnBrk="1" latinLnBrk="0" hangingPunct="1">
+      <a:defRPr sz="1200" kern="1200">
+        <a:solidFill>
+          <a:schemeClr val="tx1"/>
+        </a:solidFill>
+        <a:latin typeface="+mn-lt"/>
+        <a:ea typeface="+mn-ea"/>
+        <a:cs typeface="+mn-cs"/>
+      </a:defRPr>
+    </a:lvl5pPr>
+    <a:lvl6pPr marL="2286000" algn="l" defTabSz="914400" rtl="0" eaLnBrk="1" latinLnBrk="0" hangingPunct="1">
+      <a:defRPr sz="1200" kern="1200">
+        <a:solidFill>
+          <a:schemeClr val="tx1"/>
+        </a:solidFill>
+        <a:latin typeface="+mn-lt"/>
+        <a:ea typeface="+mn-ea"/>
+        <a:cs typeface="+mn-cs"/>
+      </a:defRPr>
+    </a:lvl6pPr>
+    <a:lvl7pPr marL="2743200" algn="l" defTabSz="914400" rtl="0" eaLnBrk="1" latinLnBrk="0" hangingPunct="1">
+      <a:defRPr sz="1200" kern="1200">
+        <a:solidFill>
+          <a:schemeClr val="tx1"/>
+        </a:solidFill>
+        <a:latin typeface="+mn-lt"/>
+        <a:ea typeface="+mn-ea"/>
+        <a:cs typeface="+mn-cs"/>
+      </a:defRPr>
+    </a:lvl7pPr>
+    <a:lvl8pPr marL="3200400" algn="l" defTabSz="914400" rtl="0" eaLnBrk="1" latinLnBrk="0" hangingPunct="1">
+      <a:defRPr sz="1200" kern="1200">
+        <a:solidFill>
+          <a:schemeClr val="tx1"/>
+        </a:solidFill>
+        <a:latin typeface="+mn-lt"/>
+        <a:ea typeface="+mn-ea"/>
+        <a:cs typeface="+mn-cs"/>
+      </a:defRPr>
+    </a:lvl8pPr>
+    <a:lvl9pPr marL="3657600" algn="l" defTabSz="914400" rtl="0" eaLnBrk="1" latinLnBrk="0" hangingPunct="1">
+      <a:defRPr sz="1200" kern="1200">
+        <a:solidFill>
+          <a:schemeClr val="tx1"/>
+        </a:solidFill>
+        <a:latin typeface="+mn-lt"/>
+        <a:ea typeface="+mn-ea"/>
+        <a:cs typeface="+mn-cs"/>
+      </a:defRPr>
+    </a:lvl9pPr>
+  </p:notesStyle>
+</p:notesMaster>
+</file>
+
 <file path=ppt/slideLayouts/slideLayout1.xml><?xml version="1.0" encoding="utf-8"?>
 <p:sldLayout xmlns:a="http://schemas.openxmlformats.org/drawingml/2006/main" xmlns:r="http://schemas.openxmlformats.org/officeDocument/2006/relationships" xmlns:p="http://schemas.openxmlformats.org/presentationml/2006/main" showMasterSp="0" type="title" preserve="1">
   <p:cSld name="Diapositive de titre">
@@ -302,7 +654,7 @@
             </a:lvl1pPr>
           </a:lstStyle>
           <a:p>
-            <a:fld id="{60D6E9A6-AE75-4EF3-B58D-4D3D1D722C83}" type="datetimeFigureOut">
+            <a:fld id="{4FC61BCE-AB2C-4098-96A8-99897533F3B7}" type="datetime1">
               <a:rPr lang="fr-FR" smtClean="0"/>
               <a:t>08/01/2025</a:t>
             </a:fld>
@@ -632,7 +984,7 @@
           <a:bodyPr/>
           <a:lstStyle/>
           <a:p>
-            <a:fld id="{60D6E9A6-AE75-4EF3-B58D-4D3D1D722C83}" type="datetimeFigureOut">
+            <a:fld id="{8D13E1E1-783C-40AA-AB19-F60D6924E871}" type="datetime1">
               <a:rPr lang="fr-FR" smtClean="0"/>
               <a:t>08/01/2025</a:t>
             </a:fld>
@@ -812,7 +1164,7 @@
           <a:bodyPr/>
           <a:lstStyle/>
           <a:p>
-            <a:fld id="{60D6E9A6-AE75-4EF3-B58D-4D3D1D722C83}" type="datetimeFigureOut">
+            <a:fld id="{B8FA4575-BD14-4155-8480-3906B589CD71}" type="datetime1">
               <a:rPr lang="fr-FR" smtClean="0"/>
               <a:t>08/01/2025</a:t>
             </a:fld>
@@ -982,7 +1334,7 @@
           <a:bodyPr/>
           <a:lstStyle/>
           <a:p>
-            <a:fld id="{60D6E9A6-AE75-4EF3-B58D-4D3D1D722C83}" type="datetimeFigureOut">
+            <a:fld id="{22AFACC9-A683-4239-8BD6-7E3B4759A0C9}" type="datetime1">
               <a:rPr lang="fr-FR" smtClean="0"/>
               <a:t>08/01/2025</a:t>
             </a:fld>
@@ -1259,7 +1611,7 @@
             </a:lvl1pPr>
           </a:lstStyle>
           <a:p>
-            <a:fld id="{60D6E9A6-AE75-4EF3-B58D-4D3D1D722C83}" type="datetimeFigureOut">
+            <a:fld id="{7CC26EE6-540B-4E69-AC94-007239F03B2B}" type="datetime1">
               <a:rPr lang="fr-FR" smtClean="0"/>
               <a:t>08/01/2025</a:t>
             </a:fld>
@@ -1653,7 +2005,7 @@
           <a:bodyPr/>
           <a:lstStyle/>
           <a:p>
-            <a:fld id="{60D6E9A6-AE75-4EF3-B58D-4D3D1D722C83}" type="datetimeFigureOut">
+            <a:fld id="{A796212A-386C-4B7E-83FC-870CF1DB06BF}" type="datetime1">
               <a:rPr lang="fr-FR" smtClean="0"/>
               <a:t>08/01/2025</a:t>
             </a:fld>
@@ -2130,7 +2482,7 @@
           <a:bodyPr/>
           <a:lstStyle/>
           <a:p>
-            <a:fld id="{60D6E9A6-AE75-4EF3-B58D-4D3D1D722C83}" type="datetimeFigureOut">
+            <a:fld id="{CA613EA2-1FE7-4EE9-BC24-11DE6D571D31}" type="datetime1">
               <a:rPr lang="fr-FR" smtClean="0"/>
               <a:t>08/01/2025</a:t>
             </a:fld>
@@ -2248,7 +2600,7 @@
           <a:bodyPr/>
           <a:lstStyle/>
           <a:p>
-            <a:fld id="{60D6E9A6-AE75-4EF3-B58D-4D3D1D722C83}" type="datetimeFigureOut">
+            <a:fld id="{4763E8B8-4A95-4BB1-B23A-FEE3253AD0A3}" type="datetime1">
               <a:rPr lang="fr-FR" smtClean="0"/>
               <a:t>08/01/2025</a:t>
             </a:fld>
@@ -2343,7 +2695,7 @@
           <a:bodyPr/>
           <a:lstStyle/>
           <a:p>
-            <a:fld id="{60D6E9A6-AE75-4EF3-B58D-4D3D1D722C83}" type="datetimeFigureOut">
+            <a:fld id="{2D136437-0003-4F4C-9764-2EE9BEC02E41}" type="datetime1">
               <a:rPr lang="fr-FR" smtClean="0"/>
               <a:t>08/01/2025</a:t>
             </a:fld>
@@ -2689,7 +3041,7 @@
             </a:lvl1pPr>
           </a:lstStyle>
           <a:p>
-            <a:fld id="{60D6E9A6-AE75-4EF3-B58D-4D3D1D722C83}" type="datetimeFigureOut">
+            <a:fld id="{7337BE20-6CEF-4EDB-9077-7A190577EB01}" type="datetime1">
               <a:rPr lang="fr-FR" smtClean="0"/>
               <a:t>08/01/2025</a:t>
             </a:fld>
@@ -3077,7 +3429,7 @@
             </a:lvl1pPr>
           </a:lstStyle>
           <a:p>
-            <a:fld id="{60D6E9A6-AE75-4EF3-B58D-4D3D1D722C83}" type="datetimeFigureOut">
+            <a:fld id="{FA2FDEDD-577F-4D00-BF03-FAC286E15BE0}" type="datetime1">
               <a:rPr lang="fr-FR" smtClean="0"/>
               <a:t>08/01/2025</a:t>
             </a:fld>
@@ -3355,7 +3707,7 @@
             </a:lvl1pPr>
           </a:lstStyle>
           <a:p>
-            <a:fld id="{60D6E9A6-AE75-4EF3-B58D-4D3D1D722C83}" type="datetimeFigureOut">
+            <a:fld id="{DC1C4C08-70F5-4F10-A671-DE923D7F4802}" type="datetime1">
               <a:rPr lang="fr-FR" smtClean="0"/>
               <a:t>08/01/2025</a:t>
             </a:fld>
@@ -3496,6 +3848,7 @@
     <p:sldLayoutId id="2147483670" r:id="rId10"/>
     <p:sldLayoutId id="2147483671" r:id="rId11"/>
   </p:sldLayoutIdLst>
+  <p:hf hdr="0" ftr="0"/>
   <p:txStyles>
     <p:titleStyle>
       <a:lvl1pPr algn="l" defTabSz="914400" rtl="0" eaLnBrk="1" latinLnBrk="0" hangingPunct="1">
@@ -3976,6 +4329,64 @@
           </a:fontRef>
         </p:style>
       </p:cxnSp>
+      <p:sp>
+        <p:nvSpPr>
+          <p:cNvPr id="4" name="Espace réservé de la date 3">
+            <a:extLst>
+              <a:ext uri="{FF2B5EF4-FFF2-40B4-BE49-F238E27FC236}">
+                <a16:creationId xmlns:a16="http://schemas.microsoft.com/office/drawing/2014/main" id="{78E59219-3EE2-4292-C762-A237594AD50B}"/>
+              </a:ext>
+            </a:extLst>
+          </p:cNvPr>
+          <p:cNvSpPr>
+            <a:spLocks noGrp="1"/>
+          </p:cNvSpPr>
+          <p:nvPr>
+            <p:ph type="dt" sz="half" idx="10"/>
+          </p:nvPr>
+        </p:nvSpPr>
+        <p:spPr/>
+        <p:txBody>
+          <a:bodyPr/>
+          <a:lstStyle/>
+          <a:p>
+            <a:fld id="{9E9A4D32-A87B-477D-ACF9-439D3783A916}" type="datetime1">
+              <a:rPr lang="fr-FR" smtClean="0"/>
+              <a:t>08/01/2025</a:t>
+            </a:fld>
+            <a:endParaRPr lang="fr-FR"/>
+          </a:p>
+        </p:txBody>
+      </p:sp>
+      <p:sp>
+        <p:nvSpPr>
+          <p:cNvPr id="6" name="Espace réservé du numéro de diapositive 5">
+            <a:extLst>
+              <a:ext uri="{FF2B5EF4-FFF2-40B4-BE49-F238E27FC236}">
+                <a16:creationId xmlns:a16="http://schemas.microsoft.com/office/drawing/2014/main" id="{BB699FD8-F61A-89BE-2B18-B51826823675}"/>
+              </a:ext>
+            </a:extLst>
+          </p:cNvPr>
+          <p:cNvSpPr>
+            <a:spLocks noGrp="1"/>
+          </p:cNvSpPr>
+          <p:nvPr>
+            <p:ph type="sldNum" sz="quarter" idx="12"/>
+          </p:nvPr>
+        </p:nvSpPr>
+        <p:spPr/>
+        <p:txBody>
+          <a:bodyPr/>
+          <a:lstStyle/>
+          <a:p>
+            <a:fld id="{DE858943-993C-4B9E-8C0E-BB4621BBC0FC}" type="slidenum">
+              <a:rPr lang="fr-FR" smtClean="0"/>
+              <a:t>1</a:t>
+            </a:fld>
+            <a:endParaRPr lang="fr-FR"/>
+          </a:p>
+        </p:txBody>
+      </p:sp>
     </p:spTree>
     <p:extLst>
       <p:ext uri="{BB962C8B-B14F-4D97-AF65-F5344CB8AC3E}">
@@ -4086,6 +4497,64 @@
           </a:p>
         </p:txBody>
       </p:sp>
+      <p:sp>
+        <p:nvSpPr>
+          <p:cNvPr id="4" name="Espace réservé de la date 3">
+            <a:extLst>
+              <a:ext uri="{FF2B5EF4-FFF2-40B4-BE49-F238E27FC236}">
+                <a16:creationId xmlns:a16="http://schemas.microsoft.com/office/drawing/2014/main" id="{976CDA73-CA57-5DE6-03C1-221503CCA130}"/>
+              </a:ext>
+            </a:extLst>
+          </p:cNvPr>
+          <p:cNvSpPr>
+            <a:spLocks noGrp="1"/>
+          </p:cNvSpPr>
+          <p:nvPr>
+            <p:ph type="dt" sz="half" idx="10"/>
+          </p:nvPr>
+        </p:nvSpPr>
+        <p:spPr/>
+        <p:txBody>
+          <a:bodyPr/>
+          <a:lstStyle/>
+          <a:p>
+            <a:fld id="{76F20AA2-1F44-4EBE-874F-06460C0B674F}" type="datetime1">
+              <a:rPr lang="fr-FR" smtClean="0"/>
+              <a:t>08/01/2025</a:t>
+            </a:fld>
+            <a:endParaRPr lang="fr-FR"/>
+          </a:p>
+        </p:txBody>
+      </p:sp>
+      <p:sp>
+        <p:nvSpPr>
+          <p:cNvPr id="5" name="Espace réservé du numéro de diapositive 4">
+            <a:extLst>
+              <a:ext uri="{FF2B5EF4-FFF2-40B4-BE49-F238E27FC236}">
+                <a16:creationId xmlns:a16="http://schemas.microsoft.com/office/drawing/2014/main" id="{192773B0-DF8A-EEFD-4560-C13EB1978751}"/>
+              </a:ext>
+            </a:extLst>
+          </p:cNvPr>
+          <p:cNvSpPr>
+            <a:spLocks noGrp="1"/>
+          </p:cNvSpPr>
+          <p:nvPr>
+            <p:ph type="sldNum" sz="quarter" idx="12"/>
+          </p:nvPr>
+        </p:nvSpPr>
+        <p:spPr/>
+        <p:txBody>
+          <a:bodyPr/>
+          <a:lstStyle/>
+          <a:p>
+            <a:fld id="{DE858943-993C-4B9E-8C0E-BB4621BBC0FC}" type="slidenum">
+              <a:rPr lang="fr-FR" smtClean="0"/>
+              <a:t>2</a:t>
+            </a:fld>
+            <a:endParaRPr lang="fr-FR"/>
+          </a:p>
+        </p:txBody>
+      </p:sp>
     </p:spTree>
     <p:extLst>
       <p:ext uri="{BB962C8B-B14F-4D97-AF65-F5344CB8AC3E}">
@@ -4175,6 +4644,64 @@
               <a:rPr lang="fr-FR" dirty="0"/>
               <a:t>Animation entre l’image réelle et l’image générée</a:t>
             </a:r>
+          </a:p>
+        </p:txBody>
+      </p:sp>
+      <p:sp>
+        <p:nvSpPr>
+          <p:cNvPr id="4" name="Espace réservé de la date 3">
+            <a:extLst>
+              <a:ext uri="{FF2B5EF4-FFF2-40B4-BE49-F238E27FC236}">
+                <a16:creationId xmlns:a16="http://schemas.microsoft.com/office/drawing/2014/main" id="{7E3AE1FD-5CFD-F2BF-12A5-4F2AE7052038}"/>
+              </a:ext>
+            </a:extLst>
+          </p:cNvPr>
+          <p:cNvSpPr>
+            <a:spLocks noGrp="1"/>
+          </p:cNvSpPr>
+          <p:nvPr>
+            <p:ph type="dt" sz="half" idx="10"/>
+          </p:nvPr>
+        </p:nvSpPr>
+        <p:spPr/>
+        <p:txBody>
+          <a:bodyPr/>
+          <a:lstStyle/>
+          <a:p>
+            <a:fld id="{20AEAB63-E551-4FAA-B43A-ED71E023657F}" type="datetime1">
+              <a:rPr lang="fr-FR" smtClean="0"/>
+              <a:t>08/01/2025</a:t>
+            </a:fld>
+            <a:endParaRPr lang="fr-FR"/>
+          </a:p>
+        </p:txBody>
+      </p:sp>
+      <p:sp>
+        <p:nvSpPr>
+          <p:cNvPr id="5" name="Espace réservé du numéro de diapositive 4">
+            <a:extLst>
+              <a:ext uri="{FF2B5EF4-FFF2-40B4-BE49-F238E27FC236}">
+                <a16:creationId xmlns:a16="http://schemas.microsoft.com/office/drawing/2014/main" id="{6090FE27-9EF3-BBBB-1D57-5E15B0498B43}"/>
+              </a:ext>
+            </a:extLst>
+          </p:cNvPr>
+          <p:cNvSpPr>
+            <a:spLocks noGrp="1"/>
+          </p:cNvSpPr>
+          <p:nvPr>
+            <p:ph type="sldNum" sz="quarter" idx="12"/>
+          </p:nvPr>
+        </p:nvSpPr>
+        <p:spPr/>
+        <p:txBody>
+          <a:bodyPr/>
+          <a:lstStyle/>
+          <a:p>
+            <a:fld id="{DE858943-993C-4B9E-8C0E-BB4621BBC0FC}" type="slidenum">
+              <a:rPr lang="fr-FR" smtClean="0"/>
+              <a:t>3</a:t>
+            </a:fld>
+            <a:endParaRPr lang="fr-FR"/>
           </a:p>
         </p:txBody>
       </p:sp>
@@ -4348,6 +4875,64 @@
           </a:p>
         </p:txBody>
       </p:sp>
+      <p:sp>
+        <p:nvSpPr>
+          <p:cNvPr id="3" name="Espace réservé de la date 2">
+            <a:extLst>
+              <a:ext uri="{FF2B5EF4-FFF2-40B4-BE49-F238E27FC236}">
+                <a16:creationId xmlns:a16="http://schemas.microsoft.com/office/drawing/2014/main" id="{FABFED52-E00D-04F8-E9F6-8BA5CA620850}"/>
+              </a:ext>
+            </a:extLst>
+          </p:cNvPr>
+          <p:cNvSpPr>
+            <a:spLocks noGrp="1"/>
+          </p:cNvSpPr>
+          <p:nvPr>
+            <p:ph type="dt" sz="half" idx="10"/>
+          </p:nvPr>
+        </p:nvSpPr>
+        <p:spPr/>
+        <p:txBody>
+          <a:bodyPr/>
+          <a:lstStyle/>
+          <a:p>
+            <a:fld id="{F0D1C939-514E-4EC6-888A-EE30ADDEBDC2}" type="datetime1">
+              <a:rPr lang="fr-FR" smtClean="0"/>
+              <a:t>08/01/2025</a:t>
+            </a:fld>
+            <a:endParaRPr lang="fr-FR"/>
+          </a:p>
+        </p:txBody>
+      </p:sp>
+      <p:sp>
+        <p:nvSpPr>
+          <p:cNvPr id="4" name="Espace réservé du numéro de diapositive 3">
+            <a:extLst>
+              <a:ext uri="{FF2B5EF4-FFF2-40B4-BE49-F238E27FC236}">
+                <a16:creationId xmlns:a16="http://schemas.microsoft.com/office/drawing/2014/main" id="{3A8B6205-51A8-76A0-B4F1-9F6689C59B31}"/>
+              </a:ext>
+            </a:extLst>
+          </p:cNvPr>
+          <p:cNvSpPr>
+            <a:spLocks noGrp="1"/>
+          </p:cNvSpPr>
+          <p:nvPr>
+            <p:ph type="sldNum" sz="quarter" idx="12"/>
+          </p:nvPr>
+        </p:nvSpPr>
+        <p:spPr/>
+        <p:txBody>
+          <a:bodyPr/>
+          <a:lstStyle/>
+          <a:p>
+            <a:fld id="{DE858943-993C-4B9E-8C0E-BB4621BBC0FC}" type="slidenum">
+              <a:rPr lang="fr-FR" smtClean="0"/>
+              <a:t>4</a:t>
+            </a:fld>
+            <a:endParaRPr lang="fr-FR"/>
+          </a:p>
+        </p:txBody>
+      </p:sp>
     </p:spTree>
     <p:extLst>
       <p:ext uri="{BB962C8B-B14F-4D97-AF65-F5344CB8AC3E}">
@@ -4506,7 +5091,7 @@
         </p:blipFill>
         <p:spPr>
           <a:xfrm>
-            <a:off x="821561" y="4034499"/>
+            <a:off x="821561" y="2541032"/>
             <a:ext cx="7677674" cy="2494270"/>
           </a:xfrm>
           <a:prstGeom prst="rect">
@@ -4586,6 +5171,113 @@
               <a:rPr lang="fr-FR" dirty="0"/>
               <a:t>)</a:t>
             </a:r>
+          </a:p>
+        </p:txBody>
+      </p:sp>
+      <p:sp>
+        <p:nvSpPr>
+          <p:cNvPr id="3" name="Espace réservé de la date 2">
+            <a:extLst>
+              <a:ext uri="{FF2B5EF4-FFF2-40B4-BE49-F238E27FC236}">
+                <a16:creationId xmlns:a16="http://schemas.microsoft.com/office/drawing/2014/main" id="{8007D33F-125A-560B-C078-4D202CCB4D9D}"/>
+              </a:ext>
+            </a:extLst>
+          </p:cNvPr>
+          <p:cNvSpPr>
+            <a:spLocks noGrp="1"/>
+          </p:cNvSpPr>
+          <p:nvPr>
+            <p:ph type="dt" sz="half" idx="10"/>
+          </p:nvPr>
+        </p:nvSpPr>
+        <p:spPr/>
+        <p:txBody>
+          <a:bodyPr/>
+          <a:lstStyle/>
+          <a:p>
+            <a:fld id="{37394C9A-3298-48AE-A73C-10796F8F7B07}" type="datetime1">
+              <a:rPr lang="fr-FR" smtClean="0"/>
+              <a:t>08/01/2025</a:t>
+            </a:fld>
+            <a:endParaRPr lang="fr-FR"/>
+          </a:p>
+        </p:txBody>
+      </p:sp>
+      <p:sp>
+        <p:nvSpPr>
+          <p:cNvPr id="4" name="Espace réservé du numéro de diapositive 3">
+            <a:extLst>
+              <a:ext uri="{FF2B5EF4-FFF2-40B4-BE49-F238E27FC236}">
+                <a16:creationId xmlns:a16="http://schemas.microsoft.com/office/drawing/2014/main" id="{E27A65FA-8F75-A431-6D26-70D1E759DC2A}"/>
+              </a:ext>
+            </a:extLst>
+          </p:cNvPr>
+          <p:cNvSpPr>
+            <a:spLocks noGrp="1"/>
+          </p:cNvSpPr>
+          <p:nvPr>
+            <p:ph type="sldNum" sz="quarter" idx="12"/>
+          </p:nvPr>
+        </p:nvSpPr>
+        <p:spPr/>
+        <p:txBody>
+          <a:bodyPr/>
+          <a:lstStyle/>
+          <a:p>
+            <a:fld id="{DE858943-993C-4B9E-8C0E-BB4621BBC0FC}" type="slidenum">
+              <a:rPr lang="fr-FR" smtClean="0"/>
+              <a:t>5</a:t>
+            </a:fld>
+            <a:endParaRPr lang="fr-FR"/>
+          </a:p>
+        </p:txBody>
+      </p:sp>
+      <p:sp>
+        <p:nvSpPr>
+          <p:cNvPr id="8" name="ZoneTexte 7">
+            <a:extLst>
+              <a:ext uri="{FF2B5EF4-FFF2-40B4-BE49-F238E27FC236}">
+                <a16:creationId xmlns:a16="http://schemas.microsoft.com/office/drawing/2014/main" id="{1407DF0E-A346-B068-C9C6-F02448ECD070}"/>
+              </a:ext>
+            </a:extLst>
+          </p:cNvPr>
+          <p:cNvSpPr txBox="1"/>
+          <p:nvPr/>
+        </p:nvSpPr>
+        <p:spPr>
+          <a:xfrm>
+            <a:off x="8410779" y="503277"/>
+            <a:ext cx="2990140" cy="369332"/>
+          </a:xfrm>
+          <a:prstGeom prst="rect">
+            <a:avLst/>
+          </a:prstGeom>
+          <a:noFill/>
+        </p:spPr>
+        <p:txBody>
+          <a:bodyPr wrap="square">
+            <a:spAutoFit/>
+          </a:bodyPr>
+          <a:lstStyle/>
+          <a:p>
+            <a:pPr algn="ctr"/>
+            <a:r>
+              <a:rPr lang="fr-FR" b="1" dirty="0"/>
+              <a:t>Source: </a:t>
+            </a:r>
+            <a:r>
+              <a:rPr lang="fr-FR" i="1" dirty="0" err="1">
+                <a:hlinkClick r:id="rId4"/>
+              </a:rPr>
+              <a:t>Tensorflow</a:t>
+            </a:r>
+            <a:r>
+              <a:rPr lang="fr-FR" i="1" dirty="0">
+                <a:hlinkClick r:id="rId4"/>
+              </a:rPr>
+              <a:t> (Pix2Pix)</a:t>
+            </a:r>
+            <a:endParaRPr lang="fr-FR" i="1" dirty="0"/>
           </a:p>
         </p:txBody>
       </p:sp>
@@ -4789,6 +5481,64 @@
           </a:prstGeom>
         </p:spPr>
       </p:pic>
+      <p:sp>
+        <p:nvSpPr>
+          <p:cNvPr id="7" name="Espace réservé de la date 6">
+            <a:extLst>
+              <a:ext uri="{FF2B5EF4-FFF2-40B4-BE49-F238E27FC236}">
+                <a16:creationId xmlns:a16="http://schemas.microsoft.com/office/drawing/2014/main" id="{855023ED-6A88-DB83-441E-EF9CBCE51561}"/>
+              </a:ext>
+            </a:extLst>
+          </p:cNvPr>
+          <p:cNvSpPr>
+            <a:spLocks noGrp="1"/>
+          </p:cNvSpPr>
+          <p:nvPr>
+            <p:ph type="dt" sz="half" idx="10"/>
+          </p:nvPr>
+        </p:nvSpPr>
+        <p:spPr/>
+        <p:txBody>
+          <a:bodyPr/>
+          <a:lstStyle/>
+          <a:p>
+            <a:fld id="{4302EED6-D957-4279-9DD7-AFD815824C1E}" type="datetime1">
+              <a:rPr lang="fr-FR" smtClean="0"/>
+              <a:t>08/01/2025</a:t>
+            </a:fld>
+            <a:endParaRPr lang="fr-FR"/>
+          </a:p>
+        </p:txBody>
+      </p:sp>
+      <p:sp>
+        <p:nvSpPr>
+          <p:cNvPr id="8" name="Espace réservé du numéro de diapositive 7">
+            <a:extLst>
+              <a:ext uri="{FF2B5EF4-FFF2-40B4-BE49-F238E27FC236}">
+                <a16:creationId xmlns:a16="http://schemas.microsoft.com/office/drawing/2014/main" id="{CE46F81D-395E-70D5-EECF-0E00EF7C91CA}"/>
+              </a:ext>
+            </a:extLst>
+          </p:cNvPr>
+          <p:cNvSpPr>
+            <a:spLocks noGrp="1"/>
+          </p:cNvSpPr>
+          <p:nvPr>
+            <p:ph type="sldNum" sz="quarter" idx="12"/>
+          </p:nvPr>
+        </p:nvSpPr>
+        <p:spPr/>
+        <p:txBody>
+          <a:bodyPr/>
+          <a:lstStyle/>
+          <a:p>
+            <a:fld id="{DE858943-993C-4B9E-8C0E-BB4621BBC0FC}" type="slidenum">
+              <a:rPr lang="fr-FR" smtClean="0"/>
+              <a:t>6</a:t>
+            </a:fld>
+            <a:endParaRPr lang="fr-FR"/>
+          </a:p>
+        </p:txBody>
+      </p:sp>
     </p:spTree>
     <p:extLst>
       <p:ext uri="{BB962C8B-B14F-4D97-AF65-F5344CB8AC3E}">
@@ -5354,7 +6104,7 @@
           <a:lstStyle/>
           <a:p>
             <a:r>
-              <a:rPr lang="fr-FR" dirty="0"/>
+              <a:rPr lang="fr-FR" b="1" dirty="0"/>
               <a:t>Bons points :</a:t>
             </a:r>
           </a:p>
@@ -5374,7 +6124,7 @@
         </p:nvSpPr>
         <p:spPr>
           <a:xfrm>
-            <a:off x="1371600" y="4316969"/>
+            <a:off x="1390650" y="4328544"/>
             <a:ext cx="3741576" cy="369332"/>
           </a:xfrm>
           <a:prstGeom prst="rect">
@@ -5389,12 +6139,113 @@
           <a:lstStyle/>
           <a:p>
             <a:r>
-              <a:rPr lang="fr-FR" dirty="0"/>
+              <a:rPr lang="fr-FR" b="1" dirty="0"/>
               <a:t>Mauvais points / améliorations :</a:t>
             </a:r>
           </a:p>
         </p:txBody>
       </p:sp>
+      <p:sp>
+        <p:nvSpPr>
+          <p:cNvPr id="4" name="Espace réservé de la date 3">
+            <a:extLst>
+              <a:ext uri="{FF2B5EF4-FFF2-40B4-BE49-F238E27FC236}">
+                <a16:creationId xmlns:a16="http://schemas.microsoft.com/office/drawing/2014/main" id="{F3FF97B7-995C-D7D7-66D7-5BDEC946F722}"/>
+              </a:ext>
+            </a:extLst>
+          </p:cNvPr>
+          <p:cNvSpPr>
+            <a:spLocks noGrp="1"/>
+          </p:cNvSpPr>
+          <p:nvPr>
+            <p:ph type="dt" sz="half" idx="10"/>
+          </p:nvPr>
+        </p:nvSpPr>
+        <p:spPr/>
+        <p:txBody>
+          <a:bodyPr/>
+          <a:lstStyle/>
+          <a:p>
+            <a:fld id="{0B7FA999-2FA2-448A-B76B-30447722BF63}" type="datetime1">
+              <a:rPr lang="fr-FR" smtClean="0"/>
+              <a:t>08/01/2025</a:t>
+            </a:fld>
+            <a:endParaRPr lang="fr-FR"/>
+          </a:p>
+        </p:txBody>
+      </p:sp>
+      <p:sp>
+        <p:nvSpPr>
+          <p:cNvPr id="8" name="Espace réservé du numéro de diapositive 7">
+            <a:extLst>
+              <a:ext uri="{FF2B5EF4-FFF2-40B4-BE49-F238E27FC236}">
+                <a16:creationId xmlns:a16="http://schemas.microsoft.com/office/drawing/2014/main" id="{7C324981-E6A3-3CAA-AC8A-28838B863973}"/>
+              </a:ext>
+            </a:extLst>
+          </p:cNvPr>
+          <p:cNvSpPr>
+            <a:spLocks noGrp="1"/>
+          </p:cNvSpPr>
+          <p:nvPr>
+            <p:ph type="sldNum" sz="quarter" idx="12"/>
+          </p:nvPr>
+        </p:nvSpPr>
+        <p:spPr/>
+        <p:txBody>
+          <a:bodyPr/>
+          <a:lstStyle/>
+          <a:p>
+            <a:fld id="{DE858943-993C-4B9E-8C0E-BB4621BBC0FC}" type="slidenum">
+              <a:rPr lang="fr-FR" smtClean="0"/>
+              <a:t>7</a:t>
+            </a:fld>
+            <a:endParaRPr lang="fr-FR"/>
+          </a:p>
+        </p:txBody>
+      </p:sp>
+      <p:cxnSp>
+        <p:nvCxnSpPr>
+          <p:cNvPr id="10" name="Connecteur droit 9">
+            <a:extLst>
+              <a:ext uri="{FF2B5EF4-FFF2-40B4-BE49-F238E27FC236}">
+                <a16:creationId xmlns:a16="http://schemas.microsoft.com/office/drawing/2014/main" id="{82F26513-071B-DB5F-3432-3AF69F9568DA}"/>
+              </a:ext>
+            </a:extLst>
+          </p:cNvPr>
+          <p:cNvCxnSpPr>
+            <a:cxnSpLocks/>
+          </p:cNvCxnSpPr>
+          <p:nvPr/>
+        </p:nvCxnSpPr>
+        <p:spPr>
+          <a:xfrm>
+            <a:off x="1082351" y="3694922"/>
+            <a:ext cx="10450286" cy="0"/>
+          </a:xfrm>
+          <a:prstGeom prst="line">
+            <a:avLst/>
+          </a:prstGeom>
+          <a:ln>
+            <a:solidFill>
+              <a:schemeClr val="tx1"/>
+            </a:solidFill>
+          </a:ln>
+        </p:spPr>
+        <p:style>
+          <a:lnRef idx="1">
+            <a:schemeClr val="accent1"/>
+          </a:lnRef>
+          <a:fillRef idx="0">
+            <a:schemeClr val="accent1"/>
+          </a:fillRef>
+          <a:effectRef idx="0">
+            <a:schemeClr val="accent1"/>
+          </a:effectRef>
+          <a:fontRef idx="minor">
+            <a:schemeClr val="tx1"/>
+          </a:fontRef>
+        </p:style>
+      </p:cxnSp>
     </p:spTree>
     <p:extLst>
       <p:ext uri="{BB962C8B-B14F-4D97-AF65-F5344CB8AC3E}">
@@ -5475,6 +6326,64 @@
               <a:rPr lang="fr-FR" sz="4000" dirty="0"/>
               <a:t>Avez-vous des questions ?</a:t>
             </a:r>
+          </a:p>
+        </p:txBody>
+      </p:sp>
+      <p:sp>
+        <p:nvSpPr>
+          <p:cNvPr id="2" name="Espace réservé de la date 1">
+            <a:extLst>
+              <a:ext uri="{FF2B5EF4-FFF2-40B4-BE49-F238E27FC236}">
+                <a16:creationId xmlns:a16="http://schemas.microsoft.com/office/drawing/2014/main" id="{E9B301C5-C11B-D437-0CC0-77473619DA02}"/>
+              </a:ext>
+            </a:extLst>
+          </p:cNvPr>
+          <p:cNvSpPr>
+            <a:spLocks noGrp="1"/>
+          </p:cNvSpPr>
+          <p:nvPr>
+            <p:ph type="dt" sz="half" idx="10"/>
+          </p:nvPr>
+        </p:nvSpPr>
+        <p:spPr/>
+        <p:txBody>
+          <a:bodyPr/>
+          <a:lstStyle/>
+          <a:p>
+            <a:fld id="{23AF258F-6BD9-4D0B-AF01-BB5DA90BB077}" type="datetime1">
+              <a:rPr lang="fr-FR" smtClean="0"/>
+              <a:t>08/01/2025</a:t>
+            </a:fld>
+            <a:endParaRPr lang="fr-FR"/>
+          </a:p>
+        </p:txBody>
+      </p:sp>
+      <p:sp>
+        <p:nvSpPr>
+          <p:cNvPr id="4" name="Espace réservé du numéro de diapositive 3">
+            <a:extLst>
+              <a:ext uri="{FF2B5EF4-FFF2-40B4-BE49-F238E27FC236}">
+                <a16:creationId xmlns:a16="http://schemas.microsoft.com/office/drawing/2014/main" id="{851AE46E-3030-351A-23D1-E44789FEDDA3}"/>
+              </a:ext>
+            </a:extLst>
+          </p:cNvPr>
+          <p:cNvSpPr>
+            <a:spLocks noGrp="1"/>
+          </p:cNvSpPr>
+          <p:nvPr>
+            <p:ph type="sldNum" sz="quarter" idx="12"/>
+          </p:nvPr>
+        </p:nvSpPr>
+        <p:spPr/>
+        <p:txBody>
+          <a:bodyPr/>
+          <a:lstStyle/>
+          <a:p>
+            <a:fld id="{DE858943-993C-4B9E-8C0E-BB4621BBC0FC}" type="slidenum">
+              <a:rPr lang="fr-FR" smtClean="0"/>
+              <a:t>8</a:t>
+            </a:fld>
+            <a:endParaRPr lang="fr-FR"/>
           </a:p>
         </p:txBody>
       </p:sp>
@@ -5747,4 +6656,299 @@
     </a:ext>
   </a:extLst>
 </a:theme>
+</file>
+
+<file path=ppt/theme/theme2.xml><?xml version="1.0" encoding="utf-8"?>
+<a:theme xmlns:a="http://schemas.openxmlformats.org/drawingml/2006/main" name="Thème Office">
+  <a:themeElements>
+    <a:clrScheme name="Office">
+      <a:dk1>
+        <a:sysClr val="windowText" lastClr="000000"/>
+      </a:dk1>
+      <a:lt1>
+        <a:sysClr val="window" lastClr="FFFFFF"/>
+      </a:lt1>
+      <a:dk2>
+        <a:srgbClr val="44546A"/>
+      </a:dk2>
+      <a:lt2>
+        <a:srgbClr val="E7E6E6"/>
+      </a:lt2>
+      <a:accent1>
+        <a:srgbClr val="4472C4"/>
+      </a:accent1>
+      <a:accent2>
+        <a:srgbClr val="ED7D31"/>
+      </a:accent2>
+      <a:accent3>
+        <a:srgbClr val="A5A5A5"/>
+      </a:accent3>
+      <a:accent4>
+        <a:srgbClr val="FFC000"/>
+      </a:accent4>
+      <a:accent5>
+        <a:srgbClr val="5B9BD5"/>
+      </a:accent5>
+      <a:accent6>
+        <a:srgbClr val="70AD47"/>
+      </a:accent6>
+      <a:hlink>
+        <a:srgbClr val="0563C1"/>
+      </a:hlink>
+      <a:folHlink>
+        <a:srgbClr val="954F72"/>
+      </a:folHlink>
+    </a:clrScheme>
+    <a:fontScheme name="Office">
+      <a:majorFont>
+        <a:latin typeface="Calibri Light" panose="020F0302020204030204"/>
+        <a:ea typeface=""/>
+        <a:cs typeface=""/>
+        <a:font script="Jpan" typeface="游ゴシック Light"/>
+        <a:font script="Hang" typeface="맑은 고딕"/>
+        <a:font script="Hans" typeface="等线 Light"/>
+        <a:font script="Hant" typeface="新細明體"/>
+        <a:font script="Arab" typeface="Times New Roman"/>
+        <a:font script="Hebr" typeface="Times New Roman"/>
+        <a:font script="Thai" typeface="Angsana New"/>
+        <a:font script="Ethi" typeface="Nyala"/>
+        <a:font script="Beng" typeface="Vrinda"/>
+        <a:font script="Gujr" typeface="Shruti"/>
+        <a:font script="Khmr" typeface="MoolBoran"/>
+        <a:font script="Knda" typeface="Tunga"/>
+        <a:font script="Guru" typeface="Raavi"/>
+        <a:font script="Cans" typeface="Euphemia"/>
+        <a:font script="Cher" typeface="Plantagenet Cherokee"/>
+        <a:font script="Yiii" typeface="Microsoft Yi Baiti"/>
+        <a:font script="Tibt" typeface="Microsoft Himalaya"/>
+        <a:font script="Thaa" typeface="MV Boli"/>
+        <a:font script="Deva" typeface="Mangal"/>
+        <a:font script="Telu" typeface="Gautami"/>
+        <a:font script="Taml" typeface="Latha"/>
+        <a:font script="Syrc" typeface="Estrangelo Edessa"/>
+        <a:font script="Orya" typeface="Kalinga"/>
+        <a:font script="Mlym" typeface="Kartika"/>
+        <a:font script="Laoo" typeface="DokChampa"/>
+        <a:font script="Sinh" typeface="Iskoola Pota"/>
+        <a:font script="Mong" typeface="Mongolian Baiti"/>
+        <a:font script="Viet" typeface="Times New Roman"/>
+        <a:font script="Uigh" typeface="Microsoft Uighur"/>
+        <a:font script="Geor" typeface="Sylfaen"/>
+        <a:font script="Armn" typeface="Arial"/>
+        <a:font script="Bugi" typeface="Leelawadee UI"/>
+        <a:font script="Bopo" typeface="Microsoft JhengHei"/>
+        <a:font script="Java" typeface="Javanese Text"/>
+        <a:font script="Lisu" typeface="Segoe UI"/>
+        <a:font script="Mymr" typeface="Myanmar Text"/>
+        <a:font script="Nkoo" typeface="Ebrima"/>
+        <a:font script="Olck" typeface="Nirmala UI"/>
+        <a:font script="Osma" typeface="Ebrima"/>
+        <a:font script="Phag" typeface="Phagspa"/>
+        <a:font script="Syrn" typeface="Estrangelo Edessa"/>
+        <a:font script="Syrj" typeface="Estrangelo Edessa"/>
+        <a:font script="Syre" typeface="Estrangelo Edessa"/>
+        <a:font script="Sora" typeface="Nirmala UI"/>
+        <a:font script="Tale" typeface="Microsoft Tai Le"/>
+        <a:font script="Talu" typeface="Microsoft New Tai Lue"/>
+        <a:font script="Tfng" typeface="Ebrima"/>
+      </a:majorFont>
+      <a:minorFont>
+        <a:latin typeface="Calibri" panose="020F0502020204030204"/>
+        <a:ea typeface=""/>
+        <a:cs typeface=""/>
+        <a:font script="Jpan" typeface="游ゴシック"/>
+        <a:font script="Hang" typeface="맑은 고딕"/>
+        <a:font script="Hans" typeface="等线"/>
+        <a:font script="Hant" typeface="新細明體"/>
+        <a:font script="Arab" typeface="Arial"/>
+        <a:font script="Hebr" typeface="Arial"/>
+        <a:font script="Thai" typeface="Cordia New"/>
+        <a:font script="Ethi" typeface="Nyala"/>
+        <a:font script="Beng" typeface="Vrinda"/>
+        <a:font script="Gujr" typeface="Shruti"/>
+        <a:font script="Khmr" typeface="DaunPenh"/>
+        <a:font script="Knda" typeface="Tunga"/>
+        <a:font script="Guru" typeface="Raavi"/>
+        <a:font script="Cans" typeface="Euphemia"/>
+        <a:font script="Cher" typeface="Plantagenet Cherokee"/>
+        <a:font script="Yiii" typeface="Microsoft Yi Baiti"/>
+        <a:font script="Tibt" typeface="Microsoft Himalaya"/>
+        <a:font script="Thaa" typeface="MV Boli"/>
+        <a:font script="Deva" typeface="Mangal"/>
+        <a:font script="Telu" typeface="Gautami"/>
+        <a:font script="Taml" typeface="Latha"/>
+        <a:font script="Syrc" typeface="Estrangelo Edessa"/>
+        <a:font script="Orya" typeface="Kalinga"/>
+        <a:font script="Mlym" typeface="Kartika"/>
+        <a:font script="Laoo" typeface="DokChampa"/>
+        <a:font script="Sinh" typeface="Iskoola Pota"/>
+        <a:font script="Mong" typeface="Mongolian Baiti"/>
+        <a:font script="Viet" typeface="Arial"/>
+        <a:font script="Uigh" typeface="Microsoft Uighur"/>
+        <a:font script="Geor" typeface="Sylfaen"/>
+        <a:font script="Armn" typeface="Arial"/>
+        <a:font script="Bugi" typeface="Leelawadee UI"/>
+        <a:font script="Bopo" typeface="Microsoft JhengHei"/>
+        <a:font script="Java" typeface="Javanese Text"/>
+        <a:font script="Lisu" typeface="Segoe UI"/>
+        <a:font script="Mymr" typeface="Myanmar Text"/>
+        <a:font script="Nkoo" typeface="Ebrima"/>
+        <a:font script="Olck" typeface="Nirmala UI"/>
+        <a:font script="Osma" typeface="Ebrima"/>
+        <a:font script="Phag" typeface="Phagspa"/>
+        <a:font script="Syrn" typeface="Estrangelo Edessa"/>
+        <a:font script="Syrj" typeface="Estrangelo Edessa"/>
+        <a:font script="Syre" typeface="Estrangelo Edessa"/>
+        <a:font script="Sora" typeface="Nirmala UI"/>
+        <a:font script="Tale" typeface="Microsoft Tai Le"/>
+        <a:font script="Talu" typeface="Microsoft New Tai Lue"/>
+        <a:font script="Tfng" typeface="Ebrima"/>
+      </a:minorFont>
+    </a:fontScheme>
+    <a:fmtScheme name="Office">
+      <a:fillStyleLst>
+        <a:solidFill>
+          <a:schemeClr val="phClr"/>
+        </a:solidFill>
+        <a:gradFill rotWithShape="1">
+          <a:gsLst>
+            <a:gs pos="0">
+              <a:schemeClr val="phClr">
+                <a:lumMod val="110000"/>
+                <a:satMod val="105000"/>
+                <a:tint val="67000"/>
+              </a:schemeClr>
+            </a:gs>
+            <a:gs pos="50000">
+              <a:schemeClr val="phClr">
+                <a:lumMod val="105000"/>
+                <a:satMod val="103000"/>
+                <a:tint val="73000"/>
+              </a:schemeClr>
+            </a:gs>
+            <a:gs pos="100000">
+              <a:schemeClr val="phClr">
+                <a:lumMod val="105000"/>
+                <a:satMod val="109000"/>
+                <a:tint val="81000"/>
+              </a:schemeClr>
+            </a:gs>
+          </a:gsLst>
+          <a:lin ang="5400000" scaled="0"/>
+        </a:gradFill>
+        <a:gradFill rotWithShape="1">
+          <a:gsLst>
+            <a:gs pos="0">
+              <a:schemeClr val="phClr">
+                <a:satMod val="103000"/>
+                <a:lumMod val="102000"/>
+                <a:tint val="94000"/>
+              </a:schemeClr>
+            </a:gs>
+            <a:gs pos="50000">
+              <a:schemeClr val="phClr">
+                <a:satMod val="110000"/>
+                <a:lumMod val="100000"/>
+                <a:shade val="100000"/>
+              </a:schemeClr>
+            </a:gs>
+            <a:gs pos="100000">
+              <a:schemeClr val="phClr">
+                <a:lumMod val="99000"/>
+                <a:satMod val="120000"/>
+                <a:shade val="78000"/>
+              </a:schemeClr>
+            </a:gs>
+          </a:gsLst>
+          <a:lin ang="5400000" scaled="0"/>
+        </a:gradFill>
+      </a:fillStyleLst>
+      <a:lnStyleLst>
+        <a:ln w="6350" cap="flat" cmpd="sng" algn="ctr">
+          <a:solidFill>
+            <a:schemeClr val="phClr"/>
+          </a:solidFill>
+          <a:prstDash val="solid"/>
+          <a:miter lim="800000"/>
+        </a:ln>
+        <a:ln w="12700" cap="flat" cmpd="sng" algn="ctr">
+          <a:solidFill>
+            <a:schemeClr val="phClr"/>
+          </a:solidFill>
+          <a:prstDash val="solid"/>
+          <a:miter lim="800000"/>
+        </a:ln>
+        <a:ln w="19050" cap="flat" cmpd="sng" algn="ctr">
+          <a:solidFill>
+            <a:schemeClr val="phClr"/>
+          </a:solidFill>
+          <a:prstDash val="solid"/>
+          <a:miter lim="800000"/>
+        </a:ln>
+      </a:lnStyleLst>
+      <a:effectStyleLst>
+        <a:effectStyle>
+          <a:effectLst/>
+        </a:effectStyle>
+        <a:effectStyle>
+          <a:effectLst/>
+        </a:effectStyle>
+        <a:effectStyle>
+          <a:effectLst>
+            <a:outerShdw blurRad="57150" dist="19050" dir="5400000" algn="ctr" rotWithShape="0">
+              <a:srgbClr val="000000">
+                <a:alpha val="63000"/>
+              </a:srgbClr>
+            </a:outerShdw>
+          </a:effectLst>
+        </a:effectStyle>
+      </a:effectStyleLst>
+      <a:bgFillStyleLst>
+        <a:solidFill>
+          <a:schemeClr val="phClr"/>
+        </a:solidFill>
+        <a:solidFill>
+          <a:schemeClr val="phClr">
+            <a:tint val="95000"/>
+            <a:satMod val="170000"/>
+          </a:schemeClr>
+        </a:solidFill>
+        <a:gradFill rotWithShape="1">
+          <a:gsLst>
+            <a:gs pos="0">
+              <a:schemeClr val="phClr">
+                <a:tint val="93000"/>
+                <a:satMod val="150000"/>
+                <a:shade val="98000"/>
+                <a:lumMod val="102000"/>
+              </a:schemeClr>
+            </a:gs>
+            <a:gs pos="50000">
+              <a:schemeClr val="phClr">
+                <a:tint val="98000"/>
+                <a:satMod val="130000"/>
+                <a:shade val="90000"/>
+                <a:lumMod val="103000"/>
+              </a:schemeClr>
+            </a:gs>
+            <a:gs pos="100000">
+              <a:schemeClr val="phClr">
+                <a:shade val="63000"/>
+                <a:satMod val="120000"/>
+              </a:schemeClr>
+            </a:gs>
+          </a:gsLst>
+          <a:lin ang="5400000" scaled="0"/>
+        </a:gradFill>
+      </a:bgFillStyleLst>
+    </a:fmtScheme>
+  </a:themeElements>
+  <a:objectDefaults/>
+  <a:extraClrSchemeLst/>
+  <a:extLst>
+    <a:ext uri="{05A4C25C-085E-4340-85A3-A5531E510DB2}">
+      <thm15:themeFamily xmlns:thm15="http://schemas.microsoft.com/office/thememl/2012/main" name="Office Theme" id="{62F939B6-93AF-4DB8-9C6B-D6C7DFDC589F}" vid="{4A3C46E8-61CC-4603-A589-7422A47A8E4A}"/>
+    </a:ext>
+  </a:extLst>
+</a:theme>
 </file>